--- a/lesson2/java_intro.pptx
+++ b/lesson2/java_intro.pptx
@@ -7,6 +7,7 @@
   <p:sldIdLst>
     <p:sldId id="256" r:id="rId2"/>
     <p:sldId id="257" r:id="rId3"/>
+    <p:sldId id="258" r:id="rId4"/>
   </p:sldIdLst>
   <p:sldSz cx="9144000" cy="6858000" type="screen4x3"/>
   <p:notesSz cx="6858000" cy="9144000"/>
@@ -290,7 +291,7 @@
             <a:fld id="{530820CF-B880-4189-942D-D702A7CBA730}" type="datetimeFigureOut">
               <a:rPr lang="zh-CN" altLang="en-US" smtClean="0"/>
               <a:pPr/>
-              <a:t>2015/4/7</a:t>
+              <a:t>2015/4/8</a:t>
             </a:fld>
             <a:endParaRPr lang="zh-CN" altLang="en-US"/>
           </a:p>
@@ -457,7 +458,7 @@
             <a:fld id="{530820CF-B880-4189-942D-D702A7CBA730}" type="datetimeFigureOut">
               <a:rPr lang="zh-CN" altLang="en-US" smtClean="0"/>
               <a:pPr/>
-              <a:t>2015/4/7</a:t>
+              <a:t>2015/4/8</a:t>
             </a:fld>
             <a:endParaRPr lang="zh-CN" altLang="en-US"/>
           </a:p>
@@ -634,7 +635,7 @@
             <a:fld id="{530820CF-B880-4189-942D-D702A7CBA730}" type="datetimeFigureOut">
               <a:rPr lang="zh-CN" altLang="en-US" smtClean="0"/>
               <a:pPr/>
-              <a:t>2015/4/7</a:t>
+              <a:t>2015/4/8</a:t>
             </a:fld>
             <a:endParaRPr lang="zh-CN" altLang="en-US"/>
           </a:p>
@@ -801,7 +802,7 @@
             <a:fld id="{530820CF-B880-4189-942D-D702A7CBA730}" type="datetimeFigureOut">
               <a:rPr lang="zh-CN" altLang="en-US" smtClean="0"/>
               <a:pPr/>
-              <a:t>2015/4/7</a:t>
+              <a:t>2015/4/8</a:t>
             </a:fld>
             <a:endParaRPr lang="zh-CN" altLang="en-US"/>
           </a:p>
@@ -1044,7 +1045,7 @@
             <a:fld id="{530820CF-B880-4189-942D-D702A7CBA730}" type="datetimeFigureOut">
               <a:rPr lang="zh-CN" altLang="en-US" smtClean="0"/>
               <a:pPr/>
-              <a:t>2015/4/7</a:t>
+              <a:t>2015/4/8</a:t>
             </a:fld>
             <a:endParaRPr lang="zh-CN" altLang="en-US"/>
           </a:p>
@@ -1329,7 +1330,7 @@
             <a:fld id="{530820CF-B880-4189-942D-D702A7CBA730}" type="datetimeFigureOut">
               <a:rPr lang="zh-CN" altLang="en-US" smtClean="0"/>
               <a:pPr/>
-              <a:t>2015/4/7</a:t>
+              <a:t>2015/4/8</a:t>
             </a:fld>
             <a:endParaRPr lang="zh-CN" altLang="en-US"/>
           </a:p>
@@ -1748,7 +1749,7 @@
             <a:fld id="{530820CF-B880-4189-942D-D702A7CBA730}" type="datetimeFigureOut">
               <a:rPr lang="zh-CN" altLang="en-US" smtClean="0"/>
               <a:pPr/>
-              <a:t>2015/4/7</a:t>
+              <a:t>2015/4/8</a:t>
             </a:fld>
             <a:endParaRPr lang="zh-CN" altLang="en-US"/>
           </a:p>
@@ -1863,7 +1864,7 @@
             <a:fld id="{530820CF-B880-4189-942D-D702A7CBA730}" type="datetimeFigureOut">
               <a:rPr lang="zh-CN" altLang="en-US" smtClean="0"/>
               <a:pPr/>
-              <a:t>2015/4/7</a:t>
+              <a:t>2015/4/8</a:t>
             </a:fld>
             <a:endParaRPr lang="zh-CN" altLang="en-US"/>
           </a:p>
@@ -1955,7 +1956,7 @@
             <a:fld id="{530820CF-B880-4189-942D-D702A7CBA730}" type="datetimeFigureOut">
               <a:rPr lang="zh-CN" altLang="en-US" smtClean="0"/>
               <a:pPr/>
-              <a:t>2015/4/7</a:t>
+              <a:t>2015/4/8</a:t>
             </a:fld>
             <a:endParaRPr lang="zh-CN" altLang="en-US"/>
           </a:p>
@@ -2229,7 +2230,7 @@
             <a:fld id="{530820CF-B880-4189-942D-D702A7CBA730}" type="datetimeFigureOut">
               <a:rPr lang="zh-CN" altLang="en-US" smtClean="0"/>
               <a:pPr/>
-              <a:t>2015/4/7</a:t>
+              <a:t>2015/4/8</a:t>
             </a:fld>
             <a:endParaRPr lang="zh-CN" altLang="en-US"/>
           </a:p>
@@ -2479,7 +2480,7 @@
             <a:fld id="{530820CF-B880-4189-942D-D702A7CBA730}" type="datetimeFigureOut">
               <a:rPr lang="zh-CN" altLang="en-US" smtClean="0"/>
               <a:pPr/>
-              <a:t>2015/4/7</a:t>
+              <a:t>2015/4/8</a:t>
             </a:fld>
             <a:endParaRPr lang="zh-CN" altLang="en-US"/>
           </a:p>
@@ -2689,7 +2690,7 @@
             <a:fld id="{530820CF-B880-4189-942D-D702A7CBA730}" type="datetimeFigureOut">
               <a:rPr lang="zh-CN" altLang="en-US" smtClean="0"/>
               <a:pPr/>
-              <a:t>2015/4/7</a:t>
+              <a:t>2015/4/8</a:t>
             </a:fld>
             <a:endParaRPr lang="zh-CN" altLang="en-US"/>
           </a:p>
@@ -3111,6 +3112,13 @@
   <p:clrMapOvr>
     <a:masterClrMapping/>
   </p:clrMapOvr>
+  <p:timing>
+    <p:tnLst>
+      <p:par>
+        <p:cTn id="1" dur="indefinite" restart="never" nodeType="tmRoot"/>
+      </p:par>
+    </p:tnLst>
+  </p:timing>
 </p:sld>
 </file>
 
@@ -3198,30 +3206,65 @@
           <a:p>
             <a:r>
               <a:rPr lang="zh-CN" altLang="en-US" dirty="0" smtClean="0"/>
-              <a:t>大</a:t>
-            </a:r>
+              <a:t>大量用于企业级开发</a:t>
+            </a:r>
+            <a:endParaRPr lang="en-US" altLang="zh-CN" dirty="0" smtClean="0"/>
+          </a:p>
+          <a:p>
             <a:r>
               <a:rPr lang="zh-CN" altLang="en-US" dirty="0" smtClean="0"/>
-              <a:t>量用于企业级开发</a:t>
+              <a:t>衍生的技术：</a:t>
+            </a:r>
+            <a:r>
+              <a:rPr lang="en-US" altLang="zh-CN" dirty="0" smtClean="0"/>
+              <a:t>J2EE, </a:t>
+            </a:r>
+            <a:r>
+              <a:rPr lang="en-US" altLang="zh-CN" dirty="0" smtClean="0"/>
+              <a:t>Applet, GUI, Web</a:t>
+            </a:r>
+            <a:r>
+              <a:rPr lang="zh-CN" altLang="en-US" dirty="0" smtClean="0"/>
+              <a:t>等</a:t>
             </a:r>
             <a:endParaRPr lang="en-US" altLang="zh-CN" dirty="0" smtClean="0"/>
           </a:p>
           <a:p>
             <a:r>
               <a:rPr lang="zh-CN" altLang="en-US" dirty="0" smtClean="0"/>
-              <a:t>衍</a:t>
+              <a:t>使</a:t>
             </a:r>
             <a:r>
               <a:rPr lang="zh-CN" altLang="en-US" dirty="0" smtClean="0"/>
-              <a:t>生的技术：</a:t>
+              <a:t>用的企业：</a:t>
             </a:r>
             <a:r>
               <a:rPr lang="en-US" altLang="zh-CN" dirty="0" smtClean="0"/>
-              <a:t>J2EE</a:t>
-            </a:r>
-            <a:r>
-              <a:rPr lang="en-US" altLang="zh-CN" smtClean="0"/>
-              <a:t>, Applet</a:t>
+              <a:t>Oracle, IBM, </a:t>
+            </a:r>
+            <a:r>
+              <a:rPr lang="en-US" altLang="zh-CN" dirty="0" err="1" smtClean="0"/>
+              <a:t>Alibaba</a:t>
+            </a:r>
+            <a:r>
+              <a:rPr lang="en-US" altLang="zh-CN" dirty="0" smtClean="0"/>
+              <a:t>, </a:t>
+            </a:r>
+            <a:r>
+              <a:rPr lang="en-US" altLang="zh-CN" dirty="0" err="1" smtClean="0"/>
+              <a:t>Baidu</a:t>
+            </a:r>
+            <a:r>
+              <a:rPr lang="en-US" altLang="zh-CN" dirty="0" smtClean="0"/>
+              <a:t>, </a:t>
+            </a:r>
+            <a:r>
+              <a:rPr lang="en-US" altLang="zh-CN" dirty="0" err="1" smtClean="0"/>
+              <a:t>Sohu</a:t>
+            </a:r>
+            <a:r>
+              <a:rPr lang="zh-CN" altLang="en-US" dirty="0" smtClean="0"/>
+              <a:t>等</a:t>
             </a:r>
             <a:endParaRPr lang="zh-CN" altLang="en-US" dirty="0"/>
           </a:p>
@@ -3232,6 +3275,176 @@
   <p:clrMapOvr>
     <a:masterClrMapping/>
   </p:clrMapOvr>
+  <p:timing>
+    <p:tnLst>
+      <p:par>
+        <p:cTn id="1" dur="indefinite" restart="never" nodeType="tmRoot"/>
+      </p:par>
+    </p:tnLst>
+  </p:timing>
+</p:sld>
+</file>
+
+<file path=ppt/slides/slide3.xml><?xml version="1.0" encoding="utf-8"?>
+<p:sld xmlns:a="http://schemas.openxmlformats.org/drawingml/2006/main" xmlns:r="http://schemas.openxmlformats.org/officeDocument/2006/relationships" xmlns:p="http://schemas.openxmlformats.org/presentationml/2006/main">
+  <p:cSld>
+    <p:spTree>
+      <p:nvGrpSpPr>
+        <p:cNvPr id="1" name=""/>
+        <p:cNvGrpSpPr/>
+        <p:nvPr/>
+      </p:nvGrpSpPr>
+      <p:grpSpPr>
+        <a:xfrm>
+          <a:off x="0" y="0"/>
+          <a:ext cx="0" cy="0"/>
+          <a:chOff x="0" y="0"/>
+          <a:chExt cx="0" cy="0"/>
+        </a:xfrm>
+      </p:grpSpPr>
+      <p:sp>
+        <p:nvSpPr>
+          <p:cNvPr id="2" name="标题 1"/>
+          <p:cNvSpPr>
+            <a:spLocks noGrp="1"/>
+          </p:cNvSpPr>
+          <p:nvPr>
+            <p:ph type="title"/>
+          </p:nvPr>
+        </p:nvSpPr>
+        <p:spPr/>
+        <p:txBody>
+          <a:bodyPr/>
+          <a:lstStyle/>
+          <a:p>
+            <a:r>
+              <a:rPr lang="zh-CN" altLang="en-US" dirty="0" smtClean="0"/>
+              <a:t>特点</a:t>
+            </a:r>
+            <a:endParaRPr lang="zh-CN" altLang="en-US" dirty="0"/>
+          </a:p>
+        </p:txBody>
+      </p:sp>
+      <p:sp>
+        <p:nvSpPr>
+          <p:cNvPr id="3" name="内容占位符 2"/>
+          <p:cNvSpPr>
+            <a:spLocks noGrp="1"/>
+          </p:cNvSpPr>
+          <p:nvPr>
+            <p:ph idx="1"/>
+          </p:nvPr>
+        </p:nvSpPr>
+        <p:spPr/>
+        <p:txBody>
+          <a:bodyPr/>
+          <a:lstStyle/>
+          <a:p>
+            <a:r>
+              <a:rPr lang="zh-CN" altLang="en-US" dirty="0" smtClean="0"/>
+              <a:t>纯粹的面向对象</a:t>
+            </a:r>
+            <a:endParaRPr lang="en-US" altLang="zh-CN" dirty="0" smtClean="0"/>
+          </a:p>
+          <a:p>
+            <a:r>
+              <a:rPr lang="zh-CN" altLang="en-US" dirty="0" smtClean="0"/>
+              <a:t>一</a:t>
+            </a:r>
+            <a:r>
+              <a:rPr lang="zh-CN" altLang="en-US" dirty="0" smtClean="0"/>
+              <a:t>切都是对象</a:t>
+            </a:r>
+            <a:endParaRPr lang="en-US" altLang="zh-CN" dirty="0" smtClean="0"/>
+          </a:p>
+          <a:p>
+            <a:pPr lvl="1"/>
+            <a:r>
+              <a:rPr lang="zh-CN" altLang="en-US" dirty="0" smtClean="0"/>
+              <a:t>类</a:t>
+            </a:r>
+            <a:endParaRPr lang="en-US" altLang="zh-CN" dirty="0" smtClean="0"/>
+          </a:p>
+          <a:p>
+            <a:pPr lvl="1"/>
+            <a:r>
+              <a:rPr lang="zh-CN" altLang="en-US" dirty="0" smtClean="0"/>
+              <a:t>类</a:t>
+            </a:r>
+            <a:r>
+              <a:rPr lang="zh-CN" altLang="en-US" dirty="0" smtClean="0"/>
+              <a:t>型，如</a:t>
+            </a:r>
+            <a:r>
+              <a:rPr lang="en-US" altLang="zh-CN" dirty="0" err="1" smtClean="0"/>
+              <a:t>int</a:t>
+            </a:r>
+            <a:endParaRPr lang="en-US" altLang="zh-CN" dirty="0" smtClean="0"/>
+          </a:p>
+          <a:p>
+            <a:pPr lvl="1"/>
+            <a:r>
+              <a:rPr lang="zh-CN" altLang="en-US" dirty="0" smtClean="0"/>
+              <a:t>等等</a:t>
+            </a:r>
+            <a:endParaRPr lang="en-US" altLang="zh-CN" dirty="0" smtClean="0"/>
+          </a:p>
+          <a:p>
+            <a:r>
+              <a:rPr lang="zh-CN" altLang="en-US" dirty="0" smtClean="0"/>
+              <a:t>跨平</a:t>
+            </a:r>
+            <a:r>
+              <a:rPr lang="zh-CN" altLang="en-US" dirty="0" smtClean="0"/>
+              <a:t>台</a:t>
+            </a:r>
+            <a:endParaRPr lang="en-US" altLang="zh-CN" dirty="0" smtClean="0"/>
+          </a:p>
+          <a:p>
+            <a:pPr lvl="1"/>
+            <a:r>
+              <a:rPr lang="zh-CN" altLang="en-US" dirty="0" smtClean="0"/>
+              <a:t>一</a:t>
+            </a:r>
+            <a:r>
+              <a:rPr lang="zh-CN" altLang="en-US" dirty="0" smtClean="0"/>
+              <a:t>次编码，到处运行（与</a:t>
+            </a:r>
+            <a:r>
+              <a:rPr lang="en-US" altLang="zh-CN" dirty="0" smtClean="0"/>
+              <a:t>C/C++</a:t>
+            </a:r>
+            <a:r>
+              <a:rPr lang="zh-CN" altLang="en-US" dirty="0" smtClean="0"/>
+              <a:t>的比较）</a:t>
+            </a:r>
+            <a:endParaRPr lang="en-US" altLang="zh-CN" dirty="0" smtClean="0"/>
+          </a:p>
+          <a:p>
+            <a:pPr lvl="1"/>
+            <a:r>
+              <a:rPr lang="en-US" altLang="zh-CN" smtClean="0"/>
+              <a:t>JVM (Java Virtual Machine)</a:t>
+            </a:r>
+            <a:endParaRPr lang="en-US" altLang="zh-CN" dirty="0" smtClean="0"/>
+          </a:p>
+          <a:p>
+            <a:endParaRPr lang="zh-CN" altLang="en-US" dirty="0"/>
+          </a:p>
+        </p:txBody>
+      </p:sp>
+    </p:spTree>
+  </p:cSld>
+  <p:clrMapOvr>
+    <a:masterClrMapping/>
+  </p:clrMapOvr>
+  <p:timing>
+    <p:tnLst>
+      <p:par>
+        <p:cTn id="1" dur="indefinite" restart="never" nodeType="tmRoot"/>
+      </p:par>
+    </p:tnLst>
+  </p:timing>
 </p:sld>
 </file>
 
